--- a/11.1HD/11.1HD.pptx
+++ b/11.1HD/11.1HD.pptx
@@ -112,6 +112,11 @@
       </a:defRPr>
     </a:lvl9pPr>
   </p:defaultTextStyle>
+  <p:extLst>
+    <p:ext uri="{EFAFB233-063F-42B5-8137-9DF3F51BA10A}">
+      <p15:sldGuideLst xmlns:p15="http://schemas.microsoft.com/office/powerpoint/2012/main"/>
+    </p:ext>
+  </p:extLst>
 </p:presentation>
 </file>
 
@@ -4010,6 +4015,34 @@
           <a:bodyPr/>
           <a:lstStyle/>
           <a:p>
+            <a:r>
+              <a:rPr lang="en-US" altLang="zh-CN" dirty="0"/>
+              <a:t>Login</a:t>
+            </a:r>
+          </a:p>
+          <a:p>
+            <a:r>
+              <a:rPr lang="en-US" altLang="zh-CN" dirty="0"/>
+              <a:t>User Dash Board</a:t>
+            </a:r>
+          </a:p>
+          <a:p>
+            <a:r>
+              <a:rPr lang="en-US" altLang="zh-CN" dirty="0"/>
+              <a:t>Withdraw</a:t>
+            </a:r>
+          </a:p>
+          <a:p>
+            <a:r>
+              <a:rPr lang="en-US" altLang="zh-CN" dirty="0"/>
+              <a:t>Deposit</a:t>
+            </a:r>
+          </a:p>
+          <a:p>
+            <a:r>
+              <a:rPr lang="en-US" altLang="zh-CN" dirty="0"/>
+              <a:t>Transfer</a:t>
+            </a:r>
             <a:endParaRPr lang="zh-CN" altLang="en-US" dirty="0"/>
           </a:p>
         </p:txBody>
